--- a/Demo_Practice/Demo.InventoryControl/Demo.InventoryControl.分析设计.pptx
+++ b/Demo_Practice/Demo.InventoryControl/Demo.InventoryControl.分析设计.pptx
@@ -259,7 +259,7 @@
           <a:p>
             <a:fld id="{45C704A5-4FA5-4342-B84A-3C41189E41FF}" type="datetimeFigureOut">
               <a:rPr lang="zh-CN" altLang="en-US" smtClean="0"/>
-              <a:t>2020-01-09</a:t>
+              <a:t>2020-02-19</a:t>
             </a:fld>
             <a:endParaRPr lang="zh-CN" altLang="en-US"/>
           </a:p>
@@ -457,7 +457,7 @@
           <a:p>
             <a:fld id="{45C704A5-4FA5-4342-B84A-3C41189E41FF}" type="datetimeFigureOut">
               <a:rPr lang="zh-CN" altLang="en-US" smtClean="0"/>
-              <a:t>2020-01-09</a:t>
+              <a:t>2020-02-19</a:t>
             </a:fld>
             <a:endParaRPr lang="zh-CN" altLang="en-US"/>
           </a:p>
@@ -665,7 +665,7 @@
           <a:p>
             <a:fld id="{45C704A5-4FA5-4342-B84A-3C41189E41FF}" type="datetimeFigureOut">
               <a:rPr lang="zh-CN" altLang="en-US" smtClean="0"/>
-              <a:t>2020-01-09</a:t>
+              <a:t>2020-02-19</a:t>
             </a:fld>
             <a:endParaRPr lang="zh-CN" altLang="en-US"/>
           </a:p>
@@ -863,7 +863,7 @@
           <a:p>
             <a:fld id="{45C704A5-4FA5-4342-B84A-3C41189E41FF}" type="datetimeFigureOut">
               <a:rPr lang="zh-CN" altLang="en-US" smtClean="0"/>
-              <a:t>2020-01-09</a:t>
+              <a:t>2020-02-19</a:t>
             </a:fld>
             <a:endParaRPr lang="zh-CN" altLang="en-US"/>
           </a:p>
@@ -1138,7 +1138,7 @@
           <a:p>
             <a:fld id="{45C704A5-4FA5-4342-B84A-3C41189E41FF}" type="datetimeFigureOut">
               <a:rPr lang="zh-CN" altLang="en-US" smtClean="0"/>
-              <a:t>2020-01-09</a:t>
+              <a:t>2020-02-19</a:t>
             </a:fld>
             <a:endParaRPr lang="zh-CN" altLang="en-US"/>
           </a:p>
@@ -1403,7 +1403,7 @@
           <a:p>
             <a:fld id="{45C704A5-4FA5-4342-B84A-3C41189E41FF}" type="datetimeFigureOut">
               <a:rPr lang="zh-CN" altLang="en-US" smtClean="0"/>
-              <a:t>2020-01-09</a:t>
+              <a:t>2020-02-19</a:t>
             </a:fld>
             <a:endParaRPr lang="zh-CN" altLang="en-US"/>
           </a:p>
@@ -1815,7 +1815,7 @@
           <a:p>
             <a:fld id="{45C704A5-4FA5-4342-B84A-3C41189E41FF}" type="datetimeFigureOut">
               <a:rPr lang="zh-CN" altLang="en-US" smtClean="0"/>
-              <a:t>2020-01-09</a:t>
+              <a:t>2020-02-19</a:t>
             </a:fld>
             <a:endParaRPr lang="zh-CN" altLang="en-US"/>
           </a:p>
@@ -1956,7 +1956,7 @@
           <a:p>
             <a:fld id="{45C704A5-4FA5-4342-B84A-3C41189E41FF}" type="datetimeFigureOut">
               <a:rPr lang="zh-CN" altLang="en-US" smtClean="0"/>
-              <a:t>2020-01-09</a:t>
+              <a:t>2020-02-19</a:t>
             </a:fld>
             <a:endParaRPr lang="zh-CN" altLang="en-US"/>
           </a:p>
@@ -2069,7 +2069,7 @@
           <a:p>
             <a:fld id="{45C704A5-4FA5-4342-B84A-3C41189E41FF}" type="datetimeFigureOut">
               <a:rPr lang="zh-CN" altLang="en-US" smtClean="0"/>
-              <a:t>2020-01-09</a:t>
+              <a:t>2020-02-19</a:t>
             </a:fld>
             <a:endParaRPr lang="zh-CN" altLang="en-US"/>
           </a:p>
@@ -2380,7 +2380,7 @@
           <a:p>
             <a:fld id="{45C704A5-4FA5-4342-B84A-3C41189E41FF}" type="datetimeFigureOut">
               <a:rPr lang="zh-CN" altLang="en-US" smtClean="0"/>
-              <a:t>2020-01-09</a:t>
+              <a:t>2020-02-19</a:t>
             </a:fld>
             <a:endParaRPr lang="zh-CN" altLang="en-US"/>
           </a:p>
@@ -2668,7 +2668,7 @@
           <a:p>
             <a:fld id="{45C704A5-4FA5-4342-B84A-3C41189E41FF}" type="datetimeFigureOut">
               <a:rPr lang="zh-CN" altLang="en-US" smtClean="0"/>
-              <a:t>2020-01-09</a:t>
+              <a:t>2020-02-19</a:t>
             </a:fld>
             <a:endParaRPr lang="zh-CN" altLang="en-US"/>
           </a:p>
@@ -2909,7 +2909,7 @@
           <a:p>
             <a:fld id="{45C704A5-4FA5-4342-B84A-3C41189E41FF}" type="datetimeFigureOut">
               <a:rPr lang="zh-CN" altLang="en-US" smtClean="0"/>
-              <a:t>2020-01-09</a:t>
+              <a:t>2020-02-19</a:t>
             </a:fld>
             <a:endParaRPr lang="zh-CN" altLang="en-US"/>
           </a:p>
@@ -6955,7 +6955,7 @@
                 <a:latin typeface="微软雅黑" panose="020B0503020204020204" pitchFamily="34" charset="-122"/>
                 <a:ea typeface="微软雅黑" panose="020B0503020204020204" pitchFamily="34" charset="-122"/>
               </a:rPr>
-              <a:t>库区规划</a:t>
+              <a:t>业务场景</a:t>
             </a:r>
             <a:endParaRPr lang="en-US" altLang="zh-CN" sz="2400" dirty="0">
               <a:latin typeface="微软雅黑" panose="020B0503020204020204" pitchFamily="34" charset="-122"/>
